--- a/파이썬기초(PPT)/파이썬 기초 4강_연산과 연산자.pptx
+++ b/파이썬기초(PPT)/파이썬 기초 4강_연산과 연산자.pptx
@@ -322,7 +322,7 @@
           <a:p>
             <a:fld id="{FB30EDBD-1C2D-4C1E-B459-B60219FAB484}" type="datetimeFigureOut">
               <a:rPr lang="ko-KR" altLang="en-US" smtClean="0"/>
-              <a:t>2020-11-19</a:t>
+              <a:t>2020-12-09</a:t>
             </a:fld>
             <a:endParaRPr lang="ko-KR" altLang="en-US"/>
           </a:p>
@@ -485,7 +485,7 @@
           <a:p>
             <a:fld id="{FB30EDBD-1C2D-4C1E-B459-B60219FAB484}" type="datetimeFigureOut">
               <a:rPr lang="ko-KR" altLang="en-US" smtClean="0"/>
-              <a:t>2020-11-19</a:t>
+              <a:t>2020-12-09</a:t>
             </a:fld>
             <a:endParaRPr lang="ko-KR" altLang="en-US"/>
           </a:p>
@@ -658,7 +658,7 @@
           <a:p>
             <a:fld id="{FB30EDBD-1C2D-4C1E-B459-B60219FAB484}" type="datetimeFigureOut">
               <a:rPr lang="ko-KR" altLang="en-US" smtClean="0"/>
-              <a:t>2020-11-19</a:t>
+              <a:t>2020-12-09</a:t>
             </a:fld>
             <a:endParaRPr lang="ko-KR" altLang="en-US"/>
           </a:p>
@@ -821,7 +821,7 @@
           <a:p>
             <a:fld id="{FB30EDBD-1C2D-4C1E-B459-B60219FAB484}" type="datetimeFigureOut">
               <a:rPr lang="ko-KR" altLang="en-US" smtClean="0"/>
-              <a:t>2020-11-19</a:t>
+              <a:t>2020-12-09</a:t>
             </a:fld>
             <a:endParaRPr lang="ko-KR" altLang="en-US"/>
           </a:p>
@@ -1061,7 +1061,7 @@
           <a:p>
             <a:fld id="{FB30EDBD-1C2D-4C1E-B459-B60219FAB484}" type="datetimeFigureOut">
               <a:rPr lang="ko-KR" altLang="en-US" smtClean="0"/>
-              <a:t>2020-11-19</a:t>
+              <a:t>2020-12-09</a:t>
             </a:fld>
             <a:endParaRPr lang="ko-KR" altLang="en-US"/>
           </a:p>
@@ -1341,7 +1341,7 @@
           <a:p>
             <a:fld id="{FB30EDBD-1C2D-4C1E-B459-B60219FAB484}" type="datetimeFigureOut">
               <a:rPr lang="ko-KR" altLang="en-US" smtClean="0"/>
-              <a:t>2020-11-19</a:t>
+              <a:t>2020-12-09</a:t>
             </a:fld>
             <a:endParaRPr lang="ko-KR" altLang="en-US"/>
           </a:p>
@@ -1755,7 +1755,7 @@
           <a:p>
             <a:fld id="{FB30EDBD-1C2D-4C1E-B459-B60219FAB484}" type="datetimeFigureOut">
               <a:rPr lang="ko-KR" altLang="en-US" smtClean="0"/>
-              <a:t>2020-11-19</a:t>
+              <a:t>2020-12-09</a:t>
             </a:fld>
             <a:endParaRPr lang="ko-KR" altLang="en-US"/>
           </a:p>
@@ -1867,7 +1867,7 @@
           <a:p>
             <a:fld id="{FB30EDBD-1C2D-4C1E-B459-B60219FAB484}" type="datetimeFigureOut">
               <a:rPr lang="ko-KR" altLang="en-US" smtClean="0"/>
-              <a:t>2020-11-19</a:t>
+              <a:t>2020-12-09</a:t>
             </a:fld>
             <a:endParaRPr lang="ko-KR" altLang="en-US"/>
           </a:p>
@@ -1957,7 +1957,7 @@
           <a:p>
             <a:fld id="{FB30EDBD-1C2D-4C1E-B459-B60219FAB484}" type="datetimeFigureOut">
               <a:rPr lang="ko-KR" altLang="en-US" smtClean="0"/>
-              <a:t>2020-11-19</a:t>
+              <a:t>2020-12-09</a:t>
             </a:fld>
             <a:endParaRPr lang="ko-KR" altLang="en-US"/>
           </a:p>
@@ -2227,7 +2227,7 @@
           <a:p>
             <a:fld id="{FB30EDBD-1C2D-4C1E-B459-B60219FAB484}" type="datetimeFigureOut">
               <a:rPr lang="ko-KR" altLang="en-US" smtClean="0"/>
-              <a:t>2020-11-19</a:t>
+              <a:t>2020-12-09</a:t>
             </a:fld>
             <a:endParaRPr lang="ko-KR" altLang="en-US"/>
           </a:p>
@@ -2474,7 +2474,7 @@
           <a:p>
             <a:fld id="{FB30EDBD-1C2D-4C1E-B459-B60219FAB484}" type="datetimeFigureOut">
               <a:rPr lang="ko-KR" altLang="en-US" smtClean="0"/>
-              <a:t>2020-11-19</a:t>
+              <a:t>2020-12-09</a:t>
             </a:fld>
             <a:endParaRPr lang="ko-KR" altLang="en-US"/>
           </a:p>
@@ -2685,7 +2685,7 @@
           <a:p>
             <a:fld id="{FB30EDBD-1C2D-4C1E-B459-B60219FAB484}" type="datetimeFigureOut">
               <a:rPr lang="ko-KR" altLang="en-US" smtClean="0"/>
-              <a:t>2020-11-19</a:t>
+              <a:t>2020-12-09</a:t>
             </a:fld>
             <a:endParaRPr lang="ko-KR" altLang="en-US"/>
           </a:p>
@@ -3109,24 +3109,24 @@
               </a:rPr>
             </a:br>
             <a:r>
-              <a:rPr lang="en-US" altLang="ko-KR" dirty="0">
+              <a:rPr lang="ko-KR" altLang="en-US" dirty="0">
                 <a:solidFill>
                   <a:schemeClr val="bg1"/>
                 </a:solidFill>
                 <a:latin typeface="배달의민족 주아" pitchFamily="18" charset="-127"/>
                 <a:ea typeface="배달의민족 주아" pitchFamily="18" charset="-127"/>
               </a:rPr>
-              <a:t>     </a:t>
-            </a:r>
-            <a:r>
-              <a:rPr lang="ko-KR" altLang="en-US" dirty="0" err="1">
+              <a:t>핵심만 쏘</a:t>
+            </a:r>
+            <a:r>
+              <a:rPr lang="en-US" altLang="ko-KR" dirty="0">
                 <a:solidFill>
                   <a:schemeClr val="bg1"/>
                 </a:solidFill>
                 <a:latin typeface="배달의민족 주아" pitchFamily="18" charset="-127"/>
                 <a:ea typeface="배달의민족 주아" pitchFamily="18" charset="-127"/>
               </a:rPr>
-              <a:t>스타트코딩</a:t>
+              <a:t>~</a:t>
             </a:r>
             <a:r>
               <a:rPr lang="ko-KR" altLang="en-US" dirty="0">
@@ -3136,18 +3136,17 @@
                 <a:latin typeface="배달의민족 주아" pitchFamily="18" charset="-127"/>
                 <a:ea typeface="배달의민족 주아" pitchFamily="18" charset="-127"/>
               </a:rPr>
-              <a:t> </a:t>
-            </a:r>
-            <a:r>
-              <a:rPr lang="ko-KR" altLang="en-US" dirty="0" err="1">
+              <a:t>옥</a:t>
+            </a:r>
+            <a:br>
+              <a:rPr lang="en-US" altLang="ko-KR" dirty="0">
                 <a:solidFill>
                   <a:schemeClr val="bg1"/>
                 </a:solidFill>
                 <a:latin typeface="배달의민족 주아" pitchFamily="18" charset="-127"/>
                 <a:ea typeface="배달의민족 주아" pitchFamily="18" charset="-127"/>
               </a:rPr>
-              <a:t>파이썬</a:t>
-            </a:r>
+            </a:br>
             <a:r>
               <a:rPr lang="ko-KR" altLang="en-US" dirty="0">
                 <a:solidFill>
@@ -3156,7 +3155,7 @@
                 <a:latin typeface="배달의민족 주아" pitchFamily="18" charset="-127"/>
                 <a:ea typeface="배달의민족 주아" pitchFamily="18" charset="-127"/>
               </a:rPr>
-              <a:t> 입문 </a:t>
+              <a:t>파이썬 입문 </a:t>
             </a:r>
             <a:r>
               <a:rPr lang="en-US" altLang="ko-KR" dirty="0">
@@ -3166,10 +3165,10 @@
                 <a:latin typeface="배달의민족 주아" pitchFamily="18" charset="-127"/>
                 <a:ea typeface="배달의민족 주아" pitchFamily="18" charset="-127"/>
               </a:rPr>
-              <a:t>3</a:t>
-            </a:r>
-            <a:r>
-              <a:rPr lang="ko-KR" altLang="en-US" dirty="0">
+              <a:t>4</a:t>
+            </a:r>
+            <a:r>
+              <a:rPr lang="ko-KR" altLang="en-US">
                 <a:solidFill>
                   <a:schemeClr val="bg1"/>
                 </a:solidFill>
@@ -3305,7 +3304,7 @@
         </p:blipFill>
         <p:spPr bwMode="auto">
           <a:xfrm>
-            <a:off x="1403648" y="2564904"/>
+            <a:off x="2195736" y="2348880"/>
             <a:ext cx="864096" cy="864096"/>
           </a:xfrm>
           <a:prstGeom prst="rect">
@@ -3598,7 +3597,20 @@
                 <a:latin typeface="배달의민족 주아" pitchFamily="18" charset="-127"/>
                 <a:ea typeface="배달의민족 주아" pitchFamily="18" charset="-127"/>
               </a:rPr>
-              <a:t>문자열과 합친 결과를 출력 </a:t>
+              <a:t>문자열과 합친 결과를 </a:t>
+            </a:r>
+            <a:endParaRPr lang="en-US" altLang="ko-KR" sz="3200" dirty="0">
+              <a:latin typeface="배달의민족 주아" pitchFamily="18" charset="-127"/>
+              <a:ea typeface="배달의민족 주아" pitchFamily="18" charset="-127"/>
+            </a:endParaRPr>
+          </a:p>
+          <a:p>
+            <a:r>
+              <a:rPr lang="ko-KR" altLang="en-US" sz="3200" dirty="0">
+                <a:latin typeface="배달의민족 주아" pitchFamily="18" charset="-127"/>
+                <a:ea typeface="배달의민족 주아" pitchFamily="18" charset="-127"/>
+              </a:rPr>
+              <a:t>출력하기 </a:t>
             </a:r>
             <a:endParaRPr lang="en-US" altLang="ko-KR" sz="3200" dirty="0">
               <a:latin typeface="배달의민족 주아" pitchFamily="18" charset="-127"/>
@@ -6753,7 +6765,7 @@
           <p:nvPr>
             <p:extLst>
               <p:ext uri="{D42A27DB-BD31-4B8C-83A1-F6EECF244321}">
-                <p14:modId xmlns:p14="http://schemas.microsoft.com/office/powerpoint/2010/main" val="566247405"/>
+                <p14:modId xmlns:p14="http://schemas.microsoft.com/office/powerpoint/2010/main" val="1100835524"/>
               </p:ext>
             </p:extLst>
           </p:nvPr>
@@ -12601,7 +12613,7 @@
                 <a:latin typeface="배달의민족 주아" pitchFamily="18" charset="-127"/>
                 <a:ea typeface="배달의민족 주아" pitchFamily="18" charset="-127"/>
               </a:rPr>
-              <a:t>곱한 결과를 출력</a:t>
+              <a:t>곱한 결과를 출력하기</a:t>
             </a:r>
             <a:endParaRPr lang="en-US" altLang="ko-KR" sz="4000" dirty="0">
               <a:latin typeface="배달의민족 주아" pitchFamily="18" charset="-127"/>
